--- a/Presentation.pptx
+++ b/Presentation.pptx
@@ -5,18 +5,19 @@
     <p:sldMasterId id="2147483725" r:id="rId1"/>
   </p:sldMasterIdLst>
   <p:notesMasterIdLst>
-    <p:notesMasterId r:id="rId11"/>
+    <p:notesMasterId r:id="rId12"/>
   </p:notesMasterIdLst>
   <p:sldIdLst>
     <p:sldId id="256" r:id="rId2"/>
-    <p:sldId id="258" r:id="rId3"/>
-    <p:sldId id="259" r:id="rId4"/>
-    <p:sldId id="261" r:id="rId5"/>
-    <p:sldId id="260" r:id="rId6"/>
-    <p:sldId id="262" r:id="rId7"/>
-    <p:sldId id="263" r:id="rId8"/>
-    <p:sldId id="264" r:id="rId9"/>
-    <p:sldId id="265" r:id="rId10"/>
+    <p:sldId id="266" r:id="rId3"/>
+    <p:sldId id="258" r:id="rId4"/>
+    <p:sldId id="259" r:id="rId5"/>
+    <p:sldId id="261" r:id="rId6"/>
+    <p:sldId id="260" r:id="rId7"/>
+    <p:sldId id="262" r:id="rId8"/>
+    <p:sldId id="263" r:id="rId9"/>
+    <p:sldId id="264" r:id="rId10"/>
+    <p:sldId id="265" r:id="rId11"/>
   </p:sldIdLst>
   <p:sldSz cx="12192000" cy="6858000"/>
   <p:notesSz cx="6858000" cy="9144000"/>
@@ -115,6 +116,11 @@
       </a:defRPr>
     </a:lvl9pPr>
   </p:defaultTextStyle>
+  <p:extLst>
+    <p:ext uri="{EFAFB233-063F-42B5-8137-9DF3F51BA10A}">
+      <p15:sldGuideLst xmlns:p15="http://schemas.microsoft.com/office/powerpoint/2012/main"/>
+    </p:ext>
+  </p:extLst>
 </p:presentation>
 </file>
 
@@ -551,6 +557,90 @@
 </p:notes>
 </file>
 
+<file path=ppt/notesSlides/notesSlide2.xml><?xml version="1.0" encoding="utf-8"?>
+<p:notes xmlns:a="http://schemas.openxmlformats.org/drawingml/2006/main" xmlns:r="http://schemas.openxmlformats.org/officeDocument/2006/relationships" xmlns:p="http://schemas.openxmlformats.org/presentationml/2006/main">
+  <p:cSld>
+    <p:spTree>
+      <p:nvGrpSpPr>
+        <p:cNvPr id="1" name=""/>
+        <p:cNvGrpSpPr/>
+        <p:nvPr/>
+      </p:nvGrpSpPr>
+      <p:grpSpPr>
+        <a:xfrm>
+          <a:off x="0" y="0"/>
+          <a:ext cx="0" cy="0"/>
+          <a:chOff x="0" y="0"/>
+          <a:chExt cx="0" cy="0"/>
+        </a:xfrm>
+      </p:grpSpPr>
+      <p:sp>
+        <p:nvSpPr>
+          <p:cNvPr id="2" name="Slide Image Placeholder 1"/>
+          <p:cNvSpPr>
+            <a:spLocks noGrp="1" noRot="1" noChangeAspect="1"/>
+          </p:cNvSpPr>
+          <p:nvPr>
+            <p:ph type="sldImg"/>
+          </p:nvPr>
+        </p:nvSpPr>
+        <p:spPr/>
+      </p:sp>
+      <p:sp>
+        <p:nvSpPr>
+          <p:cNvPr id="3" name="Notes Placeholder 2"/>
+          <p:cNvSpPr>
+            <a:spLocks noGrp="1"/>
+          </p:cNvSpPr>
+          <p:nvPr>
+            <p:ph type="body" idx="1"/>
+          </p:nvPr>
+        </p:nvSpPr>
+        <p:spPr/>
+        <p:txBody>
+          <a:bodyPr/>
+          <a:lstStyle/>
+          <a:p>
+            <a:endParaRPr lang="en-US" dirty="0"/>
+          </a:p>
+        </p:txBody>
+      </p:sp>
+      <p:sp>
+        <p:nvSpPr>
+          <p:cNvPr id="4" name="Slide Number Placeholder 3"/>
+          <p:cNvSpPr>
+            <a:spLocks noGrp="1"/>
+          </p:cNvSpPr>
+          <p:nvPr>
+            <p:ph type="sldNum" sz="quarter" idx="5"/>
+          </p:nvPr>
+        </p:nvSpPr>
+        <p:spPr/>
+        <p:txBody>
+          <a:bodyPr/>
+          <a:lstStyle/>
+          <a:p>
+            <a:fld id="{875903A6-AEEE-4DF3-9E53-8DFC966948F4}" type="slidenum">
+              <a:rPr lang="en-US" smtClean="0"/>
+              <a:t>2</a:t>
+            </a:fld>
+            <a:endParaRPr lang="en-US"/>
+          </a:p>
+        </p:txBody>
+      </p:sp>
+    </p:spTree>
+    <p:extLst>
+      <p:ext uri="{BB962C8B-B14F-4D97-AF65-F5344CB8AC3E}">
+        <p14:creationId xmlns:p14="http://schemas.microsoft.com/office/powerpoint/2010/main" val="312375968"/>
+      </p:ext>
+    </p:extLst>
+  </p:cSld>
+  <p:clrMapOvr>
+    <a:masterClrMapping/>
+  </p:clrMapOvr>
+</p:notes>
+</file>
+
 <file path=ppt/slideLayouts/slideLayout1.xml><?xml version="1.0" encoding="utf-8"?>
 <p:sldLayout xmlns:a="http://schemas.openxmlformats.org/drawingml/2006/main" xmlns:r="http://schemas.openxmlformats.org/officeDocument/2006/relationships" xmlns:p="http://schemas.openxmlformats.org/presentationml/2006/main" type="title" preserve="1">
   <p:cSld name="Title Slide">
@@ -726,10 +816,10 @@
           <a:lstStyle/>
           <a:p>
             <a:r>
-              <a:rPr lang="fr-FR"/>
+              <a:rPr lang="fr-FR" dirty="0"/>
               <a:t>Meetup Mensuel Azure &amp; Microsoft 365 Community Sénégal (Décembre 2022)</a:t>
             </a:r>
-            <a:endParaRPr lang="en-US"/>
+            <a:endParaRPr lang="en-US" dirty="0"/>
           </a:p>
         </p:txBody>
       </p:sp>
@@ -928,10 +1018,10 @@
           <a:lstStyle/>
           <a:p>
             <a:r>
-              <a:rPr lang="fr-FR"/>
+              <a:rPr lang="fr-FR" dirty="0"/>
               <a:t>Meetup Mensuel Azure &amp; Microsoft 365 Community Sénégal (Décembre 2022)</a:t>
             </a:r>
-            <a:endParaRPr lang="en-US"/>
+            <a:endParaRPr lang="en-US" dirty="0"/>
           </a:p>
         </p:txBody>
       </p:sp>
@@ -1140,10 +1230,10 @@
           <a:lstStyle/>
           <a:p>
             <a:r>
-              <a:rPr lang="fr-FR"/>
+              <a:rPr lang="fr-FR" dirty="0"/>
               <a:t>Meetup Mensuel Azure &amp; Microsoft 365 Community Sénégal (Décembre 2022)</a:t>
             </a:r>
-            <a:endParaRPr lang="en-US"/>
+            <a:endParaRPr lang="en-US" dirty="0"/>
           </a:p>
         </p:txBody>
       </p:sp>
@@ -1342,10 +1432,10 @@
           <a:lstStyle/>
           <a:p>
             <a:r>
-              <a:rPr lang="fr-FR"/>
+              <a:rPr lang="fr-FR" dirty="0"/>
               <a:t>Meetup Mensuel Azure &amp; Microsoft 365 Community Sénégal (Décembre 2022)</a:t>
             </a:r>
-            <a:endParaRPr lang="en-US"/>
+            <a:endParaRPr lang="en-US" dirty="0"/>
           </a:p>
         </p:txBody>
       </p:sp>
@@ -1621,10 +1711,10 @@
           <a:lstStyle/>
           <a:p>
             <a:r>
-              <a:rPr lang="fr-FR"/>
+              <a:rPr lang="fr-FR" dirty="0"/>
               <a:t>Meetup Mensuel Azure &amp; Microsoft 365 Community Sénégal (Décembre 2022)</a:t>
             </a:r>
-            <a:endParaRPr lang="en-US"/>
+            <a:endParaRPr lang="en-US" dirty="0"/>
           </a:p>
         </p:txBody>
       </p:sp>
@@ -1890,10 +1980,10 @@
           <a:lstStyle/>
           <a:p>
             <a:r>
-              <a:rPr lang="fr-FR"/>
+              <a:rPr lang="fr-FR" dirty="0"/>
               <a:t>Meetup Mensuel Azure &amp; Microsoft 365 Community Sénégal (Décembre 2022)</a:t>
             </a:r>
-            <a:endParaRPr lang="en-US"/>
+            <a:endParaRPr lang="en-US" dirty="0"/>
           </a:p>
         </p:txBody>
       </p:sp>
@@ -2306,10 +2396,10 @@
           <a:lstStyle/>
           <a:p>
             <a:r>
-              <a:rPr lang="fr-FR"/>
+              <a:rPr lang="fr-FR" dirty="0"/>
               <a:t>Meetup Mensuel Azure &amp; Microsoft 365 Community Sénégal (Décembre 2022)</a:t>
             </a:r>
-            <a:endParaRPr lang="en-US"/>
+            <a:endParaRPr lang="en-US" dirty="0"/>
           </a:p>
         </p:txBody>
       </p:sp>
@@ -2451,10 +2541,10 @@
           <a:lstStyle/>
           <a:p>
             <a:r>
-              <a:rPr lang="fr-FR"/>
+              <a:rPr lang="fr-FR" dirty="0"/>
               <a:t>Meetup Mensuel Azure &amp; Microsoft 365 Community Sénégal (Décembre 2022)</a:t>
             </a:r>
-            <a:endParaRPr lang="en-US"/>
+            <a:endParaRPr lang="en-US" dirty="0"/>
           </a:p>
         </p:txBody>
       </p:sp>
@@ -2568,10 +2658,10 @@
           <a:lstStyle/>
           <a:p>
             <a:r>
-              <a:rPr lang="fr-FR"/>
+              <a:rPr lang="fr-FR" dirty="0"/>
               <a:t>Meetup Mensuel Azure &amp; Microsoft 365 Community Sénégal (Décembre 2022)</a:t>
             </a:r>
-            <a:endParaRPr lang="en-US"/>
+            <a:endParaRPr lang="en-US" dirty="0"/>
           </a:p>
         </p:txBody>
       </p:sp>
@@ -2883,10 +2973,10 @@
           <a:lstStyle/>
           <a:p>
             <a:r>
-              <a:rPr lang="fr-FR"/>
+              <a:rPr lang="fr-FR" dirty="0"/>
               <a:t>Meetup Mensuel Azure &amp; Microsoft 365 Community Sénégal (Décembre 2022)</a:t>
             </a:r>
-            <a:endParaRPr lang="en-US"/>
+            <a:endParaRPr lang="en-US" dirty="0"/>
           </a:p>
         </p:txBody>
       </p:sp>
@@ -3175,10 +3265,10 @@
           <a:lstStyle/>
           <a:p>
             <a:r>
-              <a:rPr lang="fr-FR"/>
+              <a:rPr lang="fr-FR" dirty="0"/>
               <a:t>Meetup Mensuel Azure &amp; Microsoft 365 Community Sénégal (Décembre 2022)</a:t>
             </a:r>
-            <a:endParaRPr lang="en-US"/>
+            <a:endParaRPr lang="en-US" dirty="0"/>
           </a:p>
         </p:txBody>
       </p:sp>
@@ -3438,10 +3528,10 @@
           </a:lstStyle>
           <a:p>
             <a:r>
-              <a:rPr lang="fr-FR"/>
+              <a:rPr lang="fr-FR" dirty="0"/>
               <a:t>Meetup Mensuel Azure &amp; Microsoft 365 Community Sénégal (Décembre 2022)</a:t>
             </a:r>
-            <a:endParaRPr lang="en-US"/>
+            <a:endParaRPr lang="en-US" dirty="0"/>
           </a:p>
         </p:txBody>
       </p:sp>
@@ -3832,7 +3922,7 @@
         </p:nvSpPr>
         <p:spPr>
           <a:xfrm>
-            <a:off x="1524000" y="1122363"/>
+            <a:off x="1435223" y="600518"/>
             <a:ext cx="9144000" cy="875113"/>
           </a:xfrm>
         </p:spPr>
@@ -3870,16 +3960,16 @@
               </a:rPr>
             </a:br>
             <a:r>
-              <a:rPr lang="en-US" sz="6700" b="1" i="0" dirty="0">
+              <a:rPr lang="en-US" sz="4900" b="1" i="0" dirty="0">
                 <a:solidFill>
-                  <a:srgbClr val="24292F"/>
+                  <a:srgbClr val="061311"/>
                 </a:solidFill>
                 <a:effectLst/>
-                <a:latin typeface="-apple-system"/>
+                <a:latin typeface="Playfair Display" panose="00000500000000000000" pitchFamily="2" charset="0"/>
               </a:rPr>
-              <a:t>Microsoft  Sentinel</a:t>
-            </a:r>
-            <a:endParaRPr lang="en-US" sz="6700" dirty="0"/>
+              <a:t>Introduction to Microsoft Sentinel</a:t>
+            </a:r>
+            <a:endParaRPr lang="en-US" sz="4900" dirty="0"/>
           </a:p>
         </p:txBody>
       </p:sp>
@@ -3901,13 +3991,13 @@
         </p:nvSpPr>
         <p:spPr>
           <a:xfrm>
-            <a:off x="1524000" y="1997476"/>
-            <a:ext cx="9144000" cy="3260324"/>
+            <a:off x="1524000" y="2530135"/>
+            <a:ext cx="9144000" cy="3826275"/>
           </a:xfrm>
         </p:spPr>
         <p:txBody>
           <a:bodyPr>
-            <a:normAutofit fontScale="47500" lnSpcReduction="20000"/>
+            <a:normAutofit/>
           </a:bodyPr>
           <a:lstStyle/>
           <a:p>
@@ -3921,157 +4011,6 @@
               </a:rPr>
               <a:t> </a:t>
             </a:r>
-            <a:r>
-              <a:rPr lang="en-US" sz="5100" b="1" i="0" dirty="0">
-                <a:solidFill>
-                  <a:srgbClr val="24292F"/>
-                </a:solidFill>
-                <a:effectLst/>
-                <a:latin typeface="-apple-system"/>
-              </a:rPr>
-              <a:t>What is security information and event management (SIEM)?</a:t>
-            </a:r>
-          </a:p>
-          <a:p>
-            <a:endParaRPr lang="en-US" b="1" i="0" dirty="0">
-              <a:solidFill>
-                <a:srgbClr val="24292F"/>
-              </a:solidFill>
-              <a:effectLst/>
-              <a:latin typeface="-apple-system"/>
-            </a:endParaRPr>
-          </a:p>
-          <a:p>
-            <a:r>
-              <a:rPr lang="en-US" sz="3600" b="0" i="0" dirty="0">
-                <a:solidFill>
-                  <a:srgbClr val="24292F"/>
-                </a:solidFill>
-                <a:effectLst/>
-                <a:latin typeface="-apple-system"/>
-              </a:rPr>
-              <a:t>Azure Sentinel is a Security Information and Event Management (SIEM) and Security Orchestration Automation Response (SOAR) solution from Microsoft</a:t>
-            </a:r>
-            <a:endParaRPr lang="en-US" sz="3600" b="1" dirty="0">
-              <a:solidFill>
-                <a:srgbClr val="24292F"/>
-              </a:solidFill>
-              <a:latin typeface="-apple-system"/>
-            </a:endParaRPr>
-          </a:p>
-          <a:p>
-            <a:endParaRPr lang="en-US" b="1" i="0" dirty="0">
-              <a:solidFill>
-                <a:srgbClr val="24292F"/>
-              </a:solidFill>
-              <a:effectLst/>
-              <a:latin typeface="-apple-system"/>
-            </a:endParaRPr>
-          </a:p>
-          <a:p>
-            <a:pPr marL="342900" indent="-342900" algn="l">
-              <a:buFont typeface="Arial" panose="020B0604020202020204" pitchFamily="34" charset="0"/>
-              <a:buChar char="•"/>
-            </a:pPr>
-            <a:r>
-              <a:rPr lang="en-US" sz="3400" b="0" i="0" dirty="0">
-                <a:solidFill>
-                  <a:srgbClr val="24292F"/>
-                </a:solidFill>
-                <a:effectLst/>
-                <a:latin typeface="-apple-system"/>
-              </a:rPr>
-              <a:t>Data connectors</a:t>
-            </a:r>
-          </a:p>
-          <a:p>
-            <a:pPr marL="342900" indent="-342900" algn="l">
-              <a:buFont typeface="Arial" panose="020B0604020202020204" pitchFamily="34" charset="0"/>
-              <a:buChar char="•"/>
-            </a:pPr>
-            <a:r>
-              <a:rPr lang="en-US" sz="3400" b="0" i="0" dirty="0">
-                <a:solidFill>
-                  <a:srgbClr val="24292F"/>
-                </a:solidFill>
-                <a:effectLst/>
-                <a:latin typeface="-apple-system"/>
-              </a:rPr>
-              <a:t>Workbooks</a:t>
-            </a:r>
-          </a:p>
-          <a:p>
-            <a:pPr marL="342900" indent="-342900" algn="l">
-              <a:buFont typeface="Arial" panose="020B0604020202020204" pitchFamily="34" charset="0"/>
-              <a:buChar char="•"/>
-            </a:pPr>
-            <a:r>
-              <a:rPr lang="en-US" sz="3400" b="0" i="0" dirty="0">
-                <a:solidFill>
-                  <a:srgbClr val="24292F"/>
-                </a:solidFill>
-                <a:effectLst/>
-                <a:latin typeface="-apple-system"/>
-              </a:rPr>
-              <a:t>Analytics alerts</a:t>
-            </a:r>
-          </a:p>
-          <a:p>
-            <a:pPr marL="342900" indent="-342900" algn="l">
-              <a:buFont typeface="Arial" panose="020B0604020202020204" pitchFamily="34" charset="0"/>
-              <a:buChar char="•"/>
-            </a:pPr>
-            <a:r>
-              <a:rPr lang="en-US" sz="3400" b="0" i="0" dirty="0">
-                <a:solidFill>
-                  <a:srgbClr val="24292F"/>
-                </a:solidFill>
-                <a:effectLst/>
-                <a:latin typeface="-apple-system"/>
-              </a:rPr>
-              <a:t>Threat hunting</a:t>
-            </a:r>
-          </a:p>
-          <a:p>
-            <a:pPr marL="342900" indent="-342900" algn="l">
-              <a:buFont typeface="Arial" panose="020B0604020202020204" pitchFamily="34" charset="0"/>
-              <a:buChar char="•"/>
-            </a:pPr>
-            <a:r>
-              <a:rPr lang="en-US" sz="3400" b="0" i="0" dirty="0">
-                <a:solidFill>
-                  <a:srgbClr val="24292F"/>
-                </a:solidFill>
-                <a:effectLst/>
-                <a:latin typeface="-apple-system"/>
-              </a:rPr>
-              <a:t>Incidents and investigations</a:t>
-            </a:r>
-          </a:p>
-          <a:p>
-            <a:pPr marL="342900" indent="-342900" algn="l">
-              <a:buFont typeface="Arial" panose="020B0604020202020204" pitchFamily="34" charset="0"/>
-              <a:buChar char="•"/>
-            </a:pPr>
-            <a:r>
-              <a:rPr lang="en-US" sz="3400" b="0" i="0" dirty="0">
-                <a:solidFill>
-                  <a:srgbClr val="24292F"/>
-                </a:solidFill>
-                <a:effectLst/>
-                <a:latin typeface="-apple-system"/>
-              </a:rPr>
-              <a:t>Automation playbooks</a:t>
-            </a:r>
-          </a:p>
-          <a:p>
-            <a:endParaRPr lang="en-US" b="1" i="0" dirty="0">
-              <a:solidFill>
-                <a:srgbClr val="24292F"/>
-              </a:solidFill>
-              <a:effectLst/>
-              <a:latin typeface="-apple-system"/>
-            </a:endParaRPr>
           </a:p>
           <a:p>
             <a:endParaRPr lang="en-US" b="1" dirty="0">
@@ -4086,10 +4025,476 @@
           </a:p>
         </p:txBody>
       </p:sp>
+      <p:pic>
+        <p:nvPicPr>
+          <p:cNvPr id="5" name="Picture 4">
+            <a:extLst>
+              <a:ext uri="{FF2B5EF4-FFF2-40B4-BE49-F238E27FC236}">
+                <a16:creationId xmlns:a16="http://schemas.microsoft.com/office/drawing/2014/main" id="{F3C3BB6C-4B83-ADA4-C299-0C5FC8FF443C}"/>
+              </a:ext>
+            </a:extLst>
+          </p:cNvPr>
+          <p:cNvPicPr>
+            <a:picLocks noChangeAspect="1"/>
+          </p:cNvPicPr>
+          <p:nvPr/>
+        </p:nvPicPr>
+        <p:blipFill>
+          <a:blip r:embed="rId3"/>
+          <a:stretch>
+            <a:fillRect/>
+          </a:stretch>
+        </p:blipFill>
+        <p:spPr>
+          <a:xfrm>
+            <a:off x="1743186" y="2073036"/>
+            <a:ext cx="5687219" cy="3191320"/>
+          </a:xfrm>
+          <a:prstGeom prst="rect">
+            <a:avLst/>
+          </a:prstGeom>
+        </p:spPr>
+      </p:pic>
+      <p:sp>
+        <p:nvSpPr>
+          <p:cNvPr id="7" name="TextBox 6">
+            <a:extLst>
+              <a:ext uri="{FF2B5EF4-FFF2-40B4-BE49-F238E27FC236}">
+                <a16:creationId xmlns:a16="http://schemas.microsoft.com/office/drawing/2014/main" id="{EBFE2547-5766-5C8F-89D5-A2AD000D331D}"/>
+              </a:ext>
+            </a:extLst>
+          </p:cNvPr>
+          <p:cNvSpPr txBox="1"/>
+          <p:nvPr/>
+        </p:nvSpPr>
+        <p:spPr>
+          <a:xfrm>
+            <a:off x="7690612" y="2141738"/>
+            <a:ext cx="3539640" cy="2031325"/>
+          </a:xfrm>
+          <a:prstGeom prst="rect">
+            <a:avLst/>
+          </a:prstGeom>
+          <a:noFill/>
+        </p:spPr>
+        <p:txBody>
+          <a:bodyPr wrap="square" rtlCol="0">
+            <a:spAutoFit/>
+          </a:bodyPr>
+          <a:lstStyle/>
+          <a:p>
+            <a:pPr algn="ctr"/>
+            <a:r>
+              <a:rPr lang="en-US" b="1" i="0" dirty="0">
+                <a:solidFill>
+                  <a:srgbClr val="061311"/>
+                </a:solidFill>
+                <a:effectLst/>
+                <a:latin typeface="Playfair Display" panose="00000500000000000000" pitchFamily="2" charset="0"/>
+              </a:rPr>
+              <a:t>Gora Leye</a:t>
+            </a:r>
+          </a:p>
+          <a:p>
+            <a:pPr algn="ctr"/>
+            <a:r>
+              <a:rPr lang="en-US" b="0" i="0" dirty="0">
+                <a:effectLst/>
+                <a:latin typeface="system-ui"/>
+              </a:rPr>
+              <a:t>Microsoft MVP </a:t>
+            </a:r>
+          </a:p>
+          <a:p>
+            <a:pPr algn="ctr"/>
+            <a:endParaRPr lang="en-US" b="0" i="0" dirty="0">
+              <a:effectLst/>
+              <a:latin typeface="system-ui"/>
+            </a:endParaRPr>
+          </a:p>
+          <a:p>
+            <a:pPr marL="285750" indent="-285750">
+              <a:buFont typeface="Wingdings" panose="05000000000000000000" pitchFamily="2" charset="2"/>
+              <a:buChar char="v"/>
+            </a:pPr>
+            <a:r>
+              <a:rPr lang="en-US" b="0" i="0" dirty="0">
+                <a:effectLst/>
+                <a:latin typeface="system-ui"/>
+              </a:rPr>
+              <a:t>Azure Solutions</a:t>
+            </a:r>
+          </a:p>
+          <a:p>
+            <a:pPr marL="285750" indent="-285750">
+              <a:buFont typeface="Wingdings" panose="05000000000000000000" pitchFamily="2" charset="2"/>
+              <a:buChar char="v"/>
+            </a:pPr>
+            <a:r>
+              <a:rPr lang="en-US" b="0" i="0" dirty="0">
+                <a:effectLst/>
+                <a:latin typeface="system-ui"/>
+              </a:rPr>
+              <a:t>Architect DevOps Engineer </a:t>
+            </a:r>
+          </a:p>
+          <a:p>
+            <a:pPr marL="285750" indent="-285750">
+              <a:buFont typeface="Wingdings" panose="05000000000000000000" pitchFamily="2" charset="2"/>
+              <a:buChar char="v"/>
+            </a:pPr>
+            <a:r>
+              <a:rPr lang="en-US" b="0" i="0" dirty="0">
+                <a:effectLst/>
+                <a:latin typeface="system-ui"/>
+              </a:rPr>
+              <a:t>Software Craftmanship</a:t>
+            </a:r>
+          </a:p>
+          <a:p>
+            <a:endParaRPr lang="en-US" dirty="0"/>
+          </a:p>
+        </p:txBody>
+      </p:sp>
+      <p:sp>
+        <p:nvSpPr>
+          <p:cNvPr id="8" name="TextBox 7">
+            <a:extLst>
+              <a:ext uri="{FF2B5EF4-FFF2-40B4-BE49-F238E27FC236}">
+                <a16:creationId xmlns:a16="http://schemas.microsoft.com/office/drawing/2014/main" id="{F07F582A-0BCE-9103-9B06-B53326229B71}"/>
+              </a:ext>
+            </a:extLst>
+          </p:cNvPr>
+          <p:cNvSpPr txBox="1"/>
+          <p:nvPr/>
+        </p:nvSpPr>
+        <p:spPr>
+          <a:xfrm>
+            <a:off x="1727981" y="5472652"/>
+            <a:ext cx="8924814" cy="923330"/>
+          </a:xfrm>
+          <a:prstGeom prst="rect">
+            <a:avLst/>
+          </a:prstGeom>
+          <a:noFill/>
+        </p:spPr>
+        <p:txBody>
+          <a:bodyPr wrap="square" rtlCol="0">
+            <a:spAutoFit/>
+          </a:bodyPr>
+          <a:lstStyle/>
+          <a:p>
+            <a:r>
+              <a:rPr lang="fr-FR" b="1" i="0" dirty="0">
+                <a:solidFill>
+                  <a:srgbClr val="000000"/>
+                </a:solidFill>
+                <a:effectLst/>
+                <a:latin typeface="Graphik Meetup"/>
+              </a:rPr>
+              <a:t>Meetup Mensuel Azure &amp; Microsoft 365 Community Sénégal</a:t>
+            </a:r>
+            <a:endParaRPr lang="fr-FR" sz="900" b="1" dirty="0">
+              <a:solidFill>
+                <a:srgbClr val="000000"/>
+              </a:solidFill>
+              <a:latin typeface="Graphik Meetup"/>
+            </a:endParaRPr>
+          </a:p>
+          <a:p>
+            <a:pPr algn="ctr"/>
+            <a:endParaRPr lang="fr-FR" sz="900" b="1" dirty="0">
+              <a:solidFill>
+                <a:srgbClr val="000000"/>
+              </a:solidFill>
+              <a:latin typeface="Graphik Meetup"/>
+            </a:endParaRPr>
+          </a:p>
+          <a:p>
+            <a:pPr algn="ctr"/>
+            <a:r>
+              <a:rPr lang="fr-FR" sz="900" b="1" dirty="0">
+                <a:solidFill>
+                  <a:srgbClr val="000000"/>
+                </a:solidFill>
+                <a:latin typeface="Graphik Meetup"/>
+              </a:rPr>
+              <a:t>10/12/2022</a:t>
+            </a:r>
+            <a:endParaRPr lang="fr-FR" sz="900" b="1" i="0" dirty="0">
+              <a:solidFill>
+                <a:srgbClr val="000000"/>
+              </a:solidFill>
+              <a:effectLst/>
+              <a:latin typeface="Graphik Meetup"/>
+            </a:endParaRPr>
+          </a:p>
+          <a:p>
+            <a:endParaRPr lang="en-US" dirty="0"/>
+          </a:p>
+        </p:txBody>
+      </p:sp>
     </p:spTree>
     <p:extLst>
       <p:ext uri="{BB962C8B-B14F-4D97-AF65-F5344CB8AC3E}">
         <p14:creationId xmlns:p14="http://schemas.microsoft.com/office/powerpoint/2010/main" val="3633074044"/>
+      </p:ext>
+    </p:extLst>
+  </p:cSld>
+  <p:clrMapOvr>
+    <a:masterClrMapping/>
+  </p:clrMapOvr>
+</p:sld>
+</file>
+
+<file path=ppt/slides/slide10.xml><?xml version="1.0" encoding="utf-8"?>
+<p:sld xmlns:a="http://schemas.openxmlformats.org/drawingml/2006/main" xmlns:r="http://schemas.openxmlformats.org/officeDocument/2006/relationships" xmlns:p="http://schemas.openxmlformats.org/presentationml/2006/main">
+  <p:cSld>
+    <p:spTree>
+      <p:nvGrpSpPr>
+        <p:cNvPr id="1" name=""/>
+        <p:cNvGrpSpPr/>
+        <p:nvPr/>
+      </p:nvGrpSpPr>
+      <p:grpSpPr>
+        <a:xfrm>
+          <a:off x="0" y="0"/>
+          <a:ext cx="0" cy="0"/>
+          <a:chOff x="0" y="0"/>
+          <a:chExt cx="0" cy="0"/>
+        </a:xfrm>
+      </p:grpSpPr>
+      <p:sp>
+        <p:nvSpPr>
+          <p:cNvPr id="2" name="Title 1">
+            <a:extLst>
+              <a:ext uri="{FF2B5EF4-FFF2-40B4-BE49-F238E27FC236}">
+                <a16:creationId xmlns:a16="http://schemas.microsoft.com/office/drawing/2014/main" id="{70DF50B0-3EBA-8424-428F-D1910D5C1FA4}"/>
+              </a:ext>
+            </a:extLst>
+          </p:cNvPr>
+          <p:cNvSpPr>
+            <a:spLocks noGrp="1"/>
+          </p:cNvSpPr>
+          <p:nvPr>
+            <p:ph type="title"/>
+          </p:nvPr>
+        </p:nvSpPr>
+        <p:spPr/>
+        <p:txBody>
+          <a:bodyPr/>
+          <a:lstStyle/>
+          <a:p>
+            <a:r>
+              <a:rPr lang="en-US" b="1" dirty="0"/>
+              <a:t>About me</a:t>
+            </a:r>
+          </a:p>
+        </p:txBody>
+      </p:sp>
+      <p:sp>
+        <p:nvSpPr>
+          <p:cNvPr id="3" name="Content Placeholder 2">
+            <a:extLst>
+              <a:ext uri="{FF2B5EF4-FFF2-40B4-BE49-F238E27FC236}">
+                <a16:creationId xmlns:a16="http://schemas.microsoft.com/office/drawing/2014/main" id="{437EC63F-3726-B2EC-34FF-F8C31D77AFF0}"/>
+              </a:ext>
+            </a:extLst>
+          </p:cNvPr>
+          <p:cNvSpPr>
+            <a:spLocks noGrp="1"/>
+          </p:cNvSpPr>
+          <p:nvPr>
+            <p:ph idx="1"/>
+          </p:nvPr>
+        </p:nvSpPr>
+        <p:spPr/>
+        <p:txBody>
+          <a:bodyPr/>
+          <a:lstStyle/>
+          <a:p>
+            <a:pPr marL="0" indent="0" algn="ctr">
+              <a:buNone/>
+            </a:pPr>
+            <a:r>
+              <a:rPr lang="en-US" sz="4000" b="1" i="0" dirty="0">
+                <a:solidFill>
+                  <a:srgbClr val="061311"/>
+                </a:solidFill>
+                <a:effectLst/>
+                <a:latin typeface="Playfair Display" panose="020B0604020202020204" pitchFamily="2" charset="0"/>
+              </a:rPr>
+              <a:t>Gora Leye</a:t>
+            </a:r>
+          </a:p>
+          <a:p>
+            <a:pPr algn="l"/>
+            <a:r>
+              <a:rPr lang="en-US" b="0" i="0" dirty="0">
+                <a:effectLst/>
+                <a:latin typeface="system-ui"/>
+              </a:rPr>
+              <a:t>Microsoft MVP | Azure Solutions Architect | DevOps Engineer | Software Craftmanship</a:t>
+            </a:r>
+          </a:p>
+          <a:p>
+            <a:pPr algn="l"/>
+            <a:r>
+              <a:rPr lang="en-US" b="0" i="0" dirty="0">
+                <a:effectLst/>
+                <a:latin typeface="system-ui"/>
+              </a:rPr>
+              <a:t> Paris, France</a:t>
+            </a:r>
+          </a:p>
+          <a:p>
+            <a:pPr algn="l">
+              <a:buFont typeface="Arial" panose="020B0604020202020204" pitchFamily="34" charset="0"/>
+              <a:buChar char="•"/>
+            </a:pPr>
+            <a:r>
+              <a:rPr lang="en-US" b="0" i="0" dirty="0">
+                <a:effectLst/>
+                <a:latin typeface="system-ui"/>
+              </a:rPr>
+              <a:t> Information &amp; Communications Technology</a:t>
+            </a:r>
+          </a:p>
+          <a:p>
+            <a:endParaRPr lang="en-US" dirty="0"/>
+          </a:p>
+        </p:txBody>
+      </p:sp>
+      <p:sp>
+        <p:nvSpPr>
+          <p:cNvPr id="4" name="Date Placeholder 3">
+            <a:extLst>
+              <a:ext uri="{FF2B5EF4-FFF2-40B4-BE49-F238E27FC236}">
+                <a16:creationId xmlns:a16="http://schemas.microsoft.com/office/drawing/2014/main" id="{A400D79D-4C32-B3F4-2D71-03D5A3E5247B}"/>
+              </a:ext>
+            </a:extLst>
+          </p:cNvPr>
+          <p:cNvSpPr>
+            <a:spLocks noGrp="1"/>
+          </p:cNvSpPr>
+          <p:nvPr>
+            <p:ph type="dt" sz="half" idx="10"/>
+          </p:nvPr>
+        </p:nvSpPr>
+        <p:spPr/>
+        <p:txBody>
+          <a:bodyPr/>
+          <a:lstStyle/>
+          <a:p>
+            <a:fld id="{AD551B51-8327-4FE2-9B7F-42EB4BE914DD}" type="datetime1">
+              <a:rPr lang="en-US" smtClean="0"/>
+              <a:t>12/9/2022</a:t>
+            </a:fld>
+            <a:endParaRPr lang="en-US" dirty="0"/>
+          </a:p>
+        </p:txBody>
+      </p:sp>
+      <p:sp>
+        <p:nvSpPr>
+          <p:cNvPr id="5" name="Footer Placeholder 4">
+            <a:extLst>
+              <a:ext uri="{FF2B5EF4-FFF2-40B4-BE49-F238E27FC236}">
+                <a16:creationId xmlns:a16="http://schemas.microsoft.com/office/drawing/2014/main" id="{320F89A5-C3BE-8E3F-2454-C1BEAA8C1C04}"/>
+              </a:ext>
+            </a:extLst>
+          </p:cNvPr>
+          <p:cNvSpPr>
+            <a:spLocks noGrp="1"/>
+          </p:cNvSpPr>
+          <p:nvPr>
+            <p:ph type="ftr" sz="quarter" idx="11"/>
+          </p:nvPr>
+        </p:nvSpPr>
+        <p:spPr>
+          <a:xfrm>
+            <a:off x="1360055" y="4747853"/>
+            <a:ext cx="9735127" cy="1012536"/>
+          </a:xfrm>
+        </p:spPr>
+        <p:txBody>
+          <a:bodyPr/>
+          <a:lstStyle/>
+          <a:p>
+            <a:pPr marL="285750" indent="-285750" algn="l">
+              <a:buFont typeface="Arial" panose="020B0604020202020204" pitchFamily="34" charset="0"/>
+              <a:buChar char="•"/>
+            </a:pPr>
+            <a:r>
+              <a:rPr lang="en-US" sz="1600" dirty="0">
+                <a:latin typeface="system-ui"/>
+                <a:hlinkClick r:id="rId2"/>
+              </a:rPr>
+              <a:t>https://sessionize.com/gora-leye</a:t>
+            </a:r>
+            <a:r>
+              <a:rPr lang="en-US" sz="1600" dirty="0">
+                <a:latin typeface="system-ui"/>
+              </a:rPr>
+              <a:t> </a:t>
+            </a:r>
+          </a:p>
+          <a:p>
+            <a:pPr marL="285750" indent="-285750" algn="l">
+              <a:buFont typeface="Arial" panose="020B0604020202020204" pitchFamily="34" charset="0"/>
+              <a:buChar char="•"/>
+            </a:pPr>
+            <a:r>
+              <a:rPr lang="en-US" sz="1600" b="0" i="0" dirty="0">
+                <a:effectLst/>
+                <a:latin typeface="system-ui"/>
+              </a:rPr>
+              <a:t>@logcorner </a:t>
+            </a:r>
+          </a:p>
+          <a:p>
+            <a:pPr marL="285750" indent="-285750" algn="l">
+              <a:buFont typeface="Arial" panose="020B0604020202020204" pitchFamily="34" charset="0"/>
+              <a:buChar char="•"/>
+            </a:pPr>
+            <a:r>
+              <a:rPr lang="en-US" sz="1600" b="0" i="0" dirty="0">
+                <a:effectLst/>
+                <a:latin typeface="system-ui"/>
+              </a:rPr>
+              <a:t> </a:t>
+            </a:r>
+            <a:r>
+              <a:rPr lang="en-US" sz="1600" b="0" i="0" dirty="0">
+                <a:effectLst/>
+                <a:latin typeface="system-ui"/>
+                <a:hlinkClick r:id="rId3"/>
+              </a:rPr>
+              <a:t>https://logcorner.com/</a:t>
+            </a:r>
+            <a:endParaRPr lang="en-US" sz="1600" b="0" i="0" dirty="0">
+              <a:effectLst/>
+              <a:latin typeface="system-ui"/>
+            </a:endParaRPr>
+          </a:p>
+          <a:p>
+            <a:pPr marL="285750" indent="-285750" algn="l">
+              <a:buFont typeface="Arial" panose="020B0604020202020204" pitchFamily="34" charset="0"/>
+              <a:buChar char="•"/>
+            </a:pPr>
+            <a:r>
+              <a:rPr lang="en-US" sz="1600" b="0" i="0" dirty="0">
+                <a:effectLst/>
+                <a:latin typeface="system-ui"/>
+              </a:rPr>
+              <a:t>https://github.com/logcorner</a:t>
+            </a:r>
+          </a:p>
+        </p:txBody>
+      </p:sp>
+    </p:spTree>
+    <p:extLst>
+      <p:ext uri="{BB962C8B-B14F-4D97-AF65-F5344CB8AC3E}">
+        <p14:creationId xmlns:p14="http://schemas.microsoft.com/office/powerpoint/2010/main" val="654390316"/>
       </p:ext>
     </p:extLst>
   </p:cSld>
@@ -4121,6 +4526,308 @@
           <p:cNvPr id="2" name="Title 1">
             <a:extLst>
               <a:ext uri="{FF2B5EF4-FFF2-40B4-BE49-F238E27FC236}">
+                <a16:creationId xmlns:a16="http://schemas.microsoft.com/office/drawing/2014/main" id="{5CE44A37-5DAE-67A6-8492-BC1130DABE3B}"/>
+              </a:ext>
+            </a:extLst>
+          </p:cNvPr>
+          <p:cNvSpPr>
+            <a:spLocks noGrp="1"/>
+          </p:cNvSpPr>
+          <p:nvPr>
+            <p:ph type="ctrTitle"/>
+          </p:nvPr>
+        </p:nvSpPr>
+        <p:spPr>
+          <a:xfrm>
+            <a:off x="1524000" y="1122363"/>
+            <a:ext cx="9144000" cy="875113"/>
+          </a:xfrm>
+        </p:spPr>
+        <p:txBody>
+          <a:bodyPr>
+            <a:normAutofit fontScale="90000"/>
+          </a:bodyPr>
+          <a:lstStyle/>
+          <a:p>
+            <a:br>
+              <a:rPr lang="en-US" b="1" i="0" dirty="0">
+                <a:solidFill>
+                  <a:srgbClr val="24292F"/>
+                </a:solidFill>
+                <a:effectLst/>
+                <a:latin typeface="-apple-system"/>
+              </a:rPr>
+            </a:br>
+            <a:br>
+              <a:rPr lang="en-US" b="1" i="0" dirty="0">
+                <a:solidFill>
+                  <a:srgbClr val="24292F"/>
+                </a:solidFill>
+                <a:effectLst/>
+                <a:latin typeface="-apple-system"/>
+              </a:rPr>
+            </a:br>
+            <a:br>
+              <a:rPr lang="en-US" b="1" i="0" dirty="0">
+                <a:solidFill>
+                  <a:srgbClr val="24292F"/>
+                </a:solidFill>
+                <a:effectLst/>
+                <a:latin typeface="-apple-system"/>
+              </a:rPr>
+            </a:br>
+            <a:r>
+              <a:rPr lang="en-US" sz="6700" b="1" i="0" dirty="0">
+                <a:solidFill>
+                  <a:srgbClr val="24292F"/>
+                </a:solidFill>
+                <a:effectLst/>
+                <a:latin typeface="-apple-system"/>
+              </a:rPr>
+              <a:t>Microsoft  Sentinel</a:t>
+            </a:r>
+            <a:endParaRPr lang="en-US" sz="6700" dirty="0"/>
+          </a:p>
+        </p:txBody>
+      </p:sp>
+      <p:sp>
+        <p:nvSpPr>
+          <p:cNvPr id="3" name="Subtitle 2">
+            <a:extLst>
+              <a:ext uri="{FF2B5EF4-FFF2-40B4-BE49-F238E27FC236}">
+                <a16:creationId xmlns:a16="http://schemas.microsoft.com/office/drawing/2014/main" id="{81C48A67-52E4-393B-41E7-816AF4C7A5BB}"/>
+              </a:ext>
+            </a:extLst>
+          </p:cNvPr>
+          <p:cNvSpPr>
+            <a:spLocks noGrp="1"/>
+          </p:cNvSpPr>
+          <p:nvPr>
+            <p:ph type="subTitle" idx="1"/>
+          </p:nvPr>
+        </p:nvSpPr>
+        <p:spPr>
+          <a:xfrm>
+            <a:off x="1524000" y="1997476"/>
+            <a:ext cx="9144000" cy="3260324"/>
+          </a:xfrm>
+        </p:spPr>
+        <p:txBody>
+          <a:bodyPr>
+            <a:normAutofit fontScale="47500" lnSpcReduction="20000"/>
+          </a:bodyPr>
+          <a:lstStyle/>
+          <a:p>
+            <a:r>
+              <a:rPr lang="en-US" b="1" i="0" dirty="0">
+                <a:solidFill>
+                  <a:srgbClr val="24292F"/>
+                </a:solidFill>
+                <a:effectLst/>
+                <a:latin typeface="-apple-system"/>
+              </a:rPr>
+              <a:t> </a:t>
+            </a:r>
+            <a:r>
+              <a:rPr lang="en-US" sz="5100" b="1" i="0" dirty="0">
+                <a:solidFill>
+                  <a:srgbClr val="24292F"/>
+                </a:solidFill>
+                <a:effectLst/>
+                <a:latin typeface="-apple-system"/>
+              </a:rPr>
+              <a:t>What is security information and event management (SIEM)?</a:t>
+            </a:r>
+          </a:p>
+          <a:p>
+            <a:endParaRPr lang="en-US" b="1" i="0" dirty="0">
+              <a:solidFill>
+                <a:srgbClr val="24292F"/>
+              </a:solidFill>
+              <a:effectLst/>
+              <a:latin typeface="-apple-system"/>
+            </a:endParaRPr>
+          </a:p>
+          <a:p>
+            <a:r>
+              <a:rPr lang="en-US" sz="3600" b="0" i="0" dirty="0">
+                <a:solidFill>
+                  <a:srgbClr val="24292F"/>
+                </a:solidFill>
+                <a:effectLst/>
+                <a:latin typeface="-apple-system"/>
+              </a:rPr>
+              <a:t>Azure Sentinel is a Security Information and Event Management (SIEM) and Security Orchestration Automation Response (SOAR) solution from Microsoft</a:t>
+            </a:r>
+            <a:endParaRPr lang="en-US" sz="3600" b="1" dirty="0">
+              <a:solidFill>
+                <a:srgbClr val="24292F"/>
+              </a:solidFill>
+              <a:latin typeface="-apple-system"/>
+            </a:endParaRPr>
+          </a:p>
+          <a:p>
+            <a:endParaRPr lang="en-US" b="1" i="0" dirty="0">
+              <a:solidFill>
+                <a:srgbClr val="24292F"/>
+              </a:solidFill>
+              <a:effectLst/>
+              <a:latin typeface="-apple-system"/>
+            </a:endParaRPr>
+          </a:p>
+          <a:p>
+            <a:pPr marL="342900" indent="-342900" algn="l">
+              <a:buFont typeface="Arial" panose="020B0604020202020204" pitchFamily="34" charset="0"/>
+              <a:buChar char="•"/>
+            </a:pPr>
+            <a:r>
+              <a:rPr lang="en-US" sz="3400" b="0" i="0" dirty="0">
+                <a:solidFill>
+                  <a:srgbClr val="24292F"/>
+                </a:solidFill>
+                <a:effectLst/>
+                <a:latin typeface="-apple-system"/>
+              </a:rPr>
+              <a:t>Data connectors</a:t>
+            </a:r>
+          </a:p>
+          <a:p>
+            <a:pPr marL="342900" indent="-342900" algn="l">
+              <a:buFont typeface="Arial" panose="020B0604020202020204" pitchFamily="34" charset="0"/>
+              <a:buChar char="•"/>
+            </a:pPr>
+            <a:r>
+              <a:rPr lang="en-US" sz="3400" b="0" i="0" dirty="0">
+                <a:solidFill>
+                  <a:srgbClr val="24292F"/>
+                </a:solidFill>
+                <a:effectLst/>
+                <a:latin typeface="-apple-system"/>
+              </a:rPr>
+              <a:t>Workbooks</a:t>
+            </a:r>
+          </a:p>
+          <a:p>
+            <a:pPr marL="342900" indent="-342900" algn="l">
+              <a:buFont typeface="Arial" panose="020B0604020202020204" pitchFamily="34" charset="0"/>
+              <a:buChar char="•"/>
+            </a:pPr>
+            <a:r>
+              <a:rPr lang="en-US" sz="3400" b="0" i="0" dirty="0">
+                <a:solidFill>
+                  <a:srgbClr val="24292F"/>
+                </a:solidFill>
+                <a:effectLst/>
+                <a:latin typeface="-apple-system"/>
+              </a:rPr>
+              <a:t>Analytics alerts</a:t>
+            </a:r>
+          </a:p>
+          <a:p>
+            <a:pPr marL="342900" indent="-342900" algn="l">
+              <a:buFont typeface="Arial" panose="020B0604020202020204" pitchFamily="34" charset="0"/>
+              <a:buChar char="•"/>
+            </a:pPr>
+            <a:r>
+              <a:rPr lang="en-US" sz="3400" b="0" i="0" dirty="0">
+                <a:solidFill>
+                  <a:srgbClr val="24292F"/>
+                </a:solidFill>
+                <a:effectLst/>
+                <a:latin typeface="-apple-system"/>
+              </a:rPr>
+              <a:t>Threat hunting</a:t>
+            </a:r>
+          </a:p>
+          <a:p>
+            <a:pPr marL="342900" indent="-342900" algn="l">
+              <a:buFont typeface="Arial" panose="020B0604020202020204" pitchFamily="34" charset="0"/>
+              <a:buChar char="•"/>
+            </a:pPr>
+            <a:r>
+              <a:rPr lang="en-US" sz="3400" b="0" i="0" dirty="0">
+                <a:solidFill>
+                  <a:srgbClr val="24292F"/>
+                </a:solidFill>
+                <a:effectLst/>
+                <a:latin typeface="-apple-system"/>
+              </a:rPr>
+              <a:t>Incidents and investigations</a:t>
+            </a:r>
+          </a:p>
+          <a:p>
+            <a:pPr marL="342900" indent="-342900" algn="l">
+              <a:buFont typeface="Arial" panose="020B0604020202020204" pitchFamily="34" charset="0"/>
+              <a:buChar char="•"/>
+            </a:pPr>
+            <a:r>
+              <a:rPr lang="en-US" sz="3400" b="0" i="0" dirty="0">
+                <a:solidFill>
+                  <a:srgbClr val="24292F"/>
+                </a:solidFill>
+                <a:effectLst/>
+                <a:latin typeface="-apple-system"/>
+              </a:rPr>
+              <a:t>Automation playbooks</a:t>
+            </a:r>
+          </a:p>
+          <a:p>
+            <a:endParaRPr lang="en-US" b="1" i="0" dirty="0">
+              <a:solidFill>
+                <a:srgbClr val="24292F"/>
+              </a:solidFill>
+              <a:effectLst/>
+              <a:latin typeface="-apple-system"/>
+            </a:endParaRPr>
+          </a:p>
+          <a:p>
+            <a:endParaRPr lang="en-US" b="1" dirty="0">
+              <a:solidFill>
+                <a:srgbClr val="24292F"/>
+              </a:solidFill>
+              <a:latin typeface="-apple-system"/>
+            </a:endParaRPr>
+          </a:p>
+          <a:p>
+            <a:endParaRPr lang="en-US" dirty="0"/>
+          </a:p>
+        </p:txBody>
+      </p:sp>
+    </p:spTree>
+    <p:extLst>
+      <p:ext uri="{BB962C8B-B14F-4D97-AF65-F5344CB8AC3E}">
+        <p14:creationId xmlns:p14="http://schemas.microsoft.com/office/powerpoint/2010/main" val="1724688556"/>
+      </p:ext>
+    </p:extLst>
+  </p:cSld>
+  <p:clrMapOvr>
+    <a:masterClrMapping/>
+  </p:clrMapOvr>
+</p:sld>
+</file>
+
+<file path=ppt/slides/slide3.xml><?xml version="1.0" encoding="utf-8"?>
+<p:sld xmlns:a="http://schemas.openxmlformats.org/drawingml/2006/main" xmlns:r="http://schemas.openxmlformats.org/officeDocument/2006/relationships" xmlns:p="http://schemas.openxmlformats.org/presentationml/2006/main">
+  <p:cSld>
+    <p:spTree>
+      <p:nvGrpSpPr>
+        <p:cNvPr id="1" name=""/>
+        <p:cNvGrpSpPr/>
+        <p:nvPr/>
+      </p:nvGrpSpPr>
+      <p:grpSpPr>
+        <a:xfrm>
+          <a:off x="0" y="0"/>
+          <a:ext cx="0" cy="0"/>
+          <a:chOff x="0" y="0"/>
+          <a:chExt cx="0" cy="0"/>
+        </a:xfrm>
+      </p:grpSpPr>
+      <p:sp>
+        <p:nvSpPr>
+          <p:cNvPr id="2" name="Title 1">
+            <a:extLst>
+              <a:ext uri="{FF2B5EF4-FFF2-40B4-BE49-F238E27FC236}">
                 <a16:creationId xmlns:a16="http://schemas.microsoft.com/office/drawing/2014/main" id="{523802D9-2E19-21CA-0816-EEE76A247590}"/>
               </a:ext>
             </a:extLst>
@@ -4237,10 +4944,10 @@
           <a:lstStyle/>
           <a:p>
             <a:r>
-              <a:rPr lang="fr-FR"/>
+              <a:rPr lang="fr-FR" dirty="0"/>
               <a:t>Meetup Mensuel Azure &amp; Microsoft 365 Community Sénégal (Décembre 2022)</a:t>
             </a:r>
-            <a:endParaRPr lang="en-US"/>
+            <a:endParaRPr lang="en-US" dirty="0"/>
           </a:p>
         </p:txBody>
       </p:sp>
@@ -4296,7 +5003,7 @@
 </p:sld>
 </file>
 
-<file path=ppt/slides/slide3.xml><?xml version="1.0" encoding="utf-8"?>
+<file path=ppt/slides/slide4.xml><?xml version="1.0" encoding="utf-8"?>
 <p:sld xmlns:a="http://schemas.openxmlformats.org/drawingml/2006/main" xmlns:r="http://schemas.openxmlformats.org/officeDocument/2006/relationships" xmlns:p="http://schemas.openxmlformats.org/presentationml/2006/main">
   <p:cSld>
     <p:spTree>
@@ -4436,10 +5143,10 @@
           <a:lstStyle/>
           <a:p>
             <a:r>
-              <a:rPr lang="fr-FR"/>
+              <a:rPr lang="fr-FR" dirty="0"/>
               <a:t>Meetup Mensuel Azure &amp; Microsoft 365 Community Sénégal (Décembre 2022)</a:t>
             </a:r>
-            <a:endParaRPr lang="en-US"/>
+            <a:endParaRPr lang="en-US" dirty="0"/>
           </a:p>
         </p:txBody>
       </p:sp>
@@ -4495,7 +5202,7 @@
 </p:sld>
 </file>
 
-<file path=ppt/slides/slide4.xml><?xml version="1.0" encoding="utf-8"?>
+<file path=ppt/slides/slide5.xml><?xml version="1.0" encoding="utf-8"?>
 <p:sld xmlns:a="http://schemas.openxmlformats.org/drawingml/2006/main" xmlns:r="http://schemas.openxmlformats.org/officeDocument/2006/relationships" xmlns:p="http://schemas.openxmlformats.org/presentationml/2006/main">
   <p:cSld>
     <p:spTree>
@@ -4634,10 +5341,10 @@
           <a:lstStyle/>
           <a:p>
             <a:r>
-              <a:rPr lang="fr-FR"/>
+              <a:rPr lang="fr-FR" dirty="0"/>
               <a:t>Meetup Mensuel Azure &amp; Microsoft 365 Community Sénégal (Décembre 2022)</a:t>
             </a:r>
-            <a:endParaRPr lang="en-US"/>
+            <a:endParaRPr lang="en-US" dirty="0"/>
           </a:p>
         </p:txBody>
       </p:sp>
@@ -4690,7 +5397,7 @@
 </p:sld>
 </file>
 
-<file path=ppt/slides/slide5.xml><?xml version="1.0" encoding="utf-8"?>
+<file path=ppt/slides/slide6.xml><?xml version="1.0" encoding="utf-8"?>
 <p:sld xmlns:a="http://schemas.openxmlformats.org/drawingml/2006/main" xmlns:r="http://schemas.openxmlformats.org/officeDocument/2006/relationships" xmlns:p="http://schemas.openxmlformats.org/presentationml/2006/main">
   <p:cSld>
     <p:spTree>
@@ -4829,10 +5536,10 @@
           <a:lstStyle/>
           <a:p>
             <a:r>
-              <a:rPr lang="fr-FR"/>
+              <a:rPr lang="fr-FR" dirty="0"/>
               <a:t>Meetup Mensuel Azure &amp; Microsoft 365 Community Sénégal (Décembre 2022)</a:t>
             </a:r>
-            <a:endParaRPr lang="en-US"/>
+            <a:endParaRPr lang="en-US" dirty="0"/>
           </a:p>
         </p:txBody>
       </p:sp>
@@ -4885,7 +5592,7 @@
 </p:sld>
 </file>
 
-<file path=ppt/slides/slide6.xml><?xml version="1.0" encoding="utf-8"?>
+<file path=ppt/slides/slide7.xml><?xml version="1.0" encoding="utf-8"?>
 <p:sld xmlns:a="http://schemas.openxmlformats.org/drawingml/2006/main" xmlns:r="http://schemas.openxmlformats.org/officeDocument/2006/relationships" xmlns:p="http://schemas.openxmlformats.org/presentationml/2006/main">
   <p:cSld>
     <p:spTree>
@@ -5063,10 +5770,10 @@
           <a:lstStyle/>
           <a:p>
             <a:r>
-              <a:rPr lang="fr-FR"/>
+              <a:rPr lang="fr-FR" dirty="0"/>
               <a:t>Meetup Mensuel Azure &amp; Microsoft 365 Community Sénégal (Décembre 2022)</a:t>
             </a:r>
-            <a:endParaRPr lang="en-US"/>
+            <a:endParaRPr lang="en-US" dirty="0"/>
           </a:p>
         </p:txBody>
       </p:sp>
@@ -5119,215 +5826,6 @@
 </p:sld>
 </file>
 
-<file path=ppt/slides/slide7.xml><?xml version="1.0" encoding="utf-8"?>
-<p:sld xmlns:a="http://schemas.openxmlformats.org/drawingml/2006/main" xmlns:r="http://schemas.openxmlformats.org/officeDocument/2006/relationships" xmlns:p="http://schemas.openxmlformats.org/presentationml/2006/main">
-  <p:cSld>
-    <p:spTree>
-      <p:nvGrpSpPr>
-        <p:cNvPr id="1" name=""/>
-        <p:cNvGrpSpPr/>
-        <p:nvPr/>
-      </p:nvGrpSpPr>
-      <p:grpSpPr>
-        <a:xfrm>
-          <a:off x="0" y="0"/>
-          <a:ext cx="0" cy="0"/>
-          <a:chOff x="0" y="0"/>
-          <a:chExt cx="0" cy="0"/>
-        </a:xfrm>
-      </p:grpSpPr>
-      <p:sp>
-        <p:nvSpPr>
-          <p:cNvPr id="2" name="Title 1">
-            <a:extLst>
-              <a:ext uri="{FF2B5EF4-FFF2-40B4-BE49-F238E27FC236}">
-                <a16:creationId xmlns:a16="http://schemas.microsoft.com/office/drawing/2014/main" id="{523802D9-2E19-21CA-0816-EEE76A247590}"/>
-              </a:ext>
-            </a:extLst>
-          </p:cNvPr>
-          <p:cNvSpPr>
-            <a:spLocks noGrp="1"/>
-          </p:cNvSpPr>
-          <p:nvPr>
-            <p:ph type="title"/>
-          </p:nvPr>
-        </p:nvSpPr>
-        <p:spPr/>
-        <p:txBody>
-          <a:bodyPr/>
-          <a:lstStyle/>
-          <a:p>
-            <a:pPr algn="ctr"/>
-            <a:r>
-              <a:rPr lang="en-US" b="0" i="0" dirty="0">
-                <a:solidFill>
-                  <a:srgbClr val="24292F"/>
-                </a:solidFill>
-                <a:effectLst/>
-                <a:latin typeface="-apple-system"/>
-              </a:rPr>
-              <a:t>  </a:t>
-            </a:r>
-            <a:r>
-              <a:rPr lang="en-US" b="1" dirty="0">
-                <a:solidFill>
-                  <a:srgbClr val="24292F"/>
-                </a:solidFill>
-                <a:latin typeface="-apple-system"/>
-              </a:rPr>
-              <a:t>Microsoft Sentinel Permissions</a:t>
-            </a:r>
-          </a:p>
-        </p:txBody>
-      </p:sp>
-      <p:sp>
-        <p:nvSpPr>
-          <p:cNvPr id="3" name="Content Placeholder 2">
-            <a:extLst>
-              <a:ext uri="{FF2B5EF4-FFF2-40B4-BE49-F238E27FC236}">
-                <a16:creationId xmlns:a16="http://schemas.microsoft.com/office/drawing/2014/main" id="{DEB892FC-FFFB-BE3D-65C7-6769C0B533AD}"/>
-              </a:ext>
-            </a:extLst>
-          </p:cNvPr>
-          <p:cNvSpPr>
-            <a:spLocks noGrp="1"/>
-          </p:cNvSpPr>
-          <p:nvPr>
-            <p:ph idx="1"/>
-          </p:nvPr>
-        </p:nvSpPr>
-        <p:spPr/>
-        <p:txBody>
-          <a:bodyPr/>
-          <a:lstStyle/>
-          <a:p>
-            <a:r>
-              <a:rPr lang="en-US" b="0" i="0" dirty="0">
-                <a:solidFill>
-                  <a:srgbClr val="24292F"/>
-                </a:solidFill>
-                <a:effectLst/>
-                <a:latin typeface="-apple-system"/>
-              </a:rPr>
-              <a:t>To enable Microsoft Sentinel, you need contributor permissions to the subscription in which the Microsoft Sentinel workspace resides.</a:t>
-            </a:r>
-          </a:p>
-          <a:p>
-            <a:endParaRPr lang="en-US" b="0" i="0" dirty="0">
-              <a:solidFill>
-                <a:srgbClr val="24292F"/>
-              </a:solidFill>
-              <a:effectLst/>
-              <a:latin typeface="-apple-system"/>
-            </a:endParaRPr>
-          </a:p>
-          <a:p>
-            <a:r>
-              <a:rPr lang="en-US" b="0" i="0" dirty="0">
-                <a:solidFill>
-                  <a:srgbClr val="24292F"/>
-                </a:solidFill>
-                <a:effectLst/>
-                <a:latin typeface="-apple-system"/>
-              </a:rPr>
-              <a:t>To use Microsoft Sentinel, you need either contributor or reader permissions on the resource group that the workspace belongs.</a:t>
-            </a:r>
-          </a:p>
-          <a:p>
-            <a:endParaRPr lang="en-US" b="0" i="0" dirty="0">
-              <a:solidFill>
-                <a:srgbClr val="24292F"/>
-              </a:solidFill>
-              <a:effectLst/>
-              <a:latin typeface="-apple-system"/>
-            </a:endParaRPr>
-          </a:p>
-          <a:p>
-            <a:r>
-              <a:rPr lang="en-US" b="0" i="0" dirty="0">
-                <a:solidFill>
-                  <a:srgbClr val="24292F"/>
-                </a:solidFill>
-                <a:effectLst/>
-                <a:latin typeface="-apple-system"/>
-              </a:rPr>
-              <a:t> Microsoft Sentinel-specific roles All Microsoft Sentinel built-in roles grant read access to the data in your Microsoft Sentinel workspace:</a:t>
-            </a:r>
-            <a:endParaRPr lang="en-US" dirty="0"/>
-          </a:p>
-        </p:txBody>
-      </p:sp>
-      <p:sp>
-        <p:nvSpPr>
-          <p:cNvPr id="4" name="Date Placeholder 3">
-            <a:extLst>
-              <a:ext uri="{FF2B5EF4-FFF2-40B4-BE49-F238E27FC236}">
-                <a16:creationId xmlns:a16="http://schemas.microsoft.com/office/drawing/2014/main" id="{C190F43C-8236-D8B6-507A-12D44A65B60A}"/>
-              </a:ext>
-            </a:extLst>
-          </p:cNvPr>
-          <p:cNvSpPr>
-            <a:spLocks noGrp="1"/>
-          </p:cNvSpPr>
-          <p:nvPr>
-            <p:ph type="dt" sz="half" idx="10"/>
-          </p:nvPr>
-        </p:nvSpPr>
-        <p:spPr/>
-        <p:txBody>
-          <a:bodyPr/>
-          <a:lstStyle/>
-          <a:p>
-            <a:fld id="{AD551B51-8327-4FE2-9B7F-42EB4BE914DD}" type="datetime1">
-              <a:rPr lang="en-US" smtClean="0"/>
-              <a:t>12/9/2022</a:t>
-            </a:fld>
-            <a:endParaRPr lang="en-US" dirty="0"/>
-          </a:p>
-        </p:txBody>
-      </p:sp>
-      <p:sp>
-        <p:nvSpPr>
-          <p:cNvPr id="5" name="Footer Placeholder 4">
-            <a:extLst>
-              <a:ext uri="{FF2B5EF4-FFF2-40B4-BE49-F238E27FC236}">
-                <a16:creationId xmlns:a16="http://schemas.microsoft.com/office/drawing/2014/main" id="{27C5A898-BEEF-5CA1-00FF-C2E7131B44D4}"/>
-              </a:ext>
-            </a:extLst>
-          </p:cNvPr>
-          <p:cNvSpPr>
-            <a:spLocks noGrp="1"/>
-          </p:cNvSpPr>
-          <p:nvPr>
-            <p:ph type="ftr" sz="quarter" idx="11"/>
-          </p:nvPr>
-        </p:nvSpPr>
-        <p:spPr/>
-        <p:txBody>
-          <a:bodyPr/>
-          <a:lstStyle/>
-          <a:p>
-            <a:r>
-              <a:rPr lang="fr-FR"/>
-              <a:t>Meetup Mensuel Azure &amp; Microsoft 365 Community Sénégal (Décembre 2022)</a:t>
-            </a:r>
-            <a:endParaRPr lang="en-US"/>
-          </a:p>
-        </p:txBody>
-      </p:sp>
-    </p:spTree>
-    <p:extLst>
-      <p:ext uri="{BB962C8B-B14F-4D97-AF65-F5344CB8AC3E}">
-        <p14:creationId xmlns:p14="http://schemas.microsoft.com/office/powerpoint/2010/main" val="2294935228"/>
-      </p:ext>
-    </p:extLst>
-  </p:cSld>
-  <p:clrMapOvr>
-    <a:masterClrMapping/>
-  </p:clrMapOvr>
-</p:sld>
-</file>
-
 <file path=ppt/slides/slide8.xml><?xml version="1.0" encoding="utf-8"?>
 <p:sld xmlns:a="http://schemas.openxmlformats.org/drawingml/2006/main" xmlns:r="http://schemas.openxmlformats.org/officeDocument/2006/relationships" xmlns:p="http://schemas.openxmlformats.org/presentationml/2006/main">
   <p:cSld>
@@ -5389,41 +5887,83 @@
           </a:p>
         </p:txBody>
       </p:sp>
-      <p:pic>
-        <p:nvPicPr>
-          <p:cNvPr id="7" name="Content Placeholder 6">
-            <a:extLst>
-              <a:ext uri="{FF2B5EF4-FFF2-40B4-BE49-F238E27FC236}">
-                <a16:creationId xmlns:a16="http://schemas.microsoft.com/office/drawing/2014/main" id="{FCB66526-9307-514C-DDAF-C01915B5E16D}"/>
-              </a:ext>
-            </a:extLst>
-          </p:cNvPr>
-          <p:cNvPicPr>
-            <a:picLocks noGrp="1" noChangeAspect="1"/>
-          </p:cNvPicPr>
+      <p:sp>
+        <p:nvSpPr>
+          <p:cNvPr id="3" name="Content Placeholder 2">
+            <a:extLst>
+              <a:ext uri="{FF2B5EF4-FFF2-40B4-BE49-F238E27FC236}">
+                <a16:creationId xmlns:a16="http://schemas.microsoft.com/office/drawing/2014/main" id="{DEB892FC-FFFB-BE3D-65C7-6769C0B533AD}"/>
+              </a:ext>
+            </a:extLst>
+          </p:cNvPr>
+          <p:cNvSpPr>
+            <a:spLocks noGrp="1"/>
+          </p:cNvSpPr>
           <p:nvPr>
             <p:ph idx="1"/>
           </p:nvPr>
-        </p:nvPicPr>
-        <p:blipFill>
-          <a:blip r:embed="rId2">
-            <a:extLst>
-              <a:ext uri="{28A0092B-C50C-407E-A947-70E740481C1C}">
-                <a14:useLocalDpi xmlns:a14="http://schemas.microsoft.com/office/drawing/2010/main" val="0"/>
-              </a:ext>
-            </a:extLst>
-          </a:blip>
-          <a:stretch>
-            <a:fillRect/>
-          </a:stretch>
-        </p:blipFill>
-        <p:spPr>
-          <a:xfrm>
-            <a:off x="2234519" y="1825625"/>
-            <a:ext cx="7722962" cy="4351338"/>
-          </a:xfrm>
-        </p:spPr>
-      </p:pic>
+        </p:nvSpPr>
+        <p:spPr/>
+        <p:txBody>
+          <a:bodyPr/>
+          <a:lstStyle/>
+          <a:p>
+            <a:r>
+              <a:rPr lang="en-US" b="0" i="0" dirty="0">
+                <a:solidFill>
+                  <a:srgbClr val="24292F"/>
+                </a:solidFill>
+                <a:effectLst/>
+                <a:latin typeface="-apple-system"/>
+              </a:rPr>
+              <a:t>To enable Microsoft Sentinel, you need contributor permissions to the subscription in which the Microsoft Sentinel workspace resides.</a:t>
+            </a:r>
+          </a:p>
+          <a:p>
+            <a:endParaRPr lang="en-US" b="0" i="0" dirty="0">
+              <a:solidFill>
+                <a:srgbClr val="24292F"/>
+              </a:solidFill>
+              <a:effectLst/>
+              <a:latin typeface="-apple-system"/>
+            </a:endParaRPr>
+          </a:p>
+          <a:p>
+            <a:r>
+              <a:rPr lang="en-US" b="0" i="0" dirty="0">
+                <a:solidFill>
+                  <a:srgbClr val="24292F"/>
+                </a:solidFill>
+                <a:effectLst/>
+                <a:latin typeface="-apple-system"/>
+              </a:rPr>
+              <a:t>To use Microsoft Sentinel, you need either contributor or reader permissions on the resource group that the workspace belongs.</a:t>
+            </a:r>
+          </a:p>
+          <a:p>
+            <a:endParaRPr lang="en-US" b="0" i="0" dirty="0">
+              <a:solidFill>
+                <a:srgbClr val="24292F"/>
+              </a:solidFill>
+              <a:effectLst/>
+              <a:latin typeface="-apple-system"/>
+            </a:endParaRPr>
+          </a:p>
+          <a:p>
+            <a:r>
+              <a:rPr lang="en-US" b="0" i="0" dirty="0">
+                <a:solidFill>
+                  <a:srgbClr val="24292F"/>
+                </a:solidFill>
+                <a:effectLst/>
+                <a:latin typeface="-apple-system"/>
+              </a:rPr>
+              <a:t> Microsoft Sentinel-specific roles All Microsoft Sentinel built-in roles grant read access to the data in your Microsoft Sentinel workspace:</a:t>
+            </a:r>
+            <a:endParaRPr lang="en-US" dirty="0"/>
+          </a:p>
+        </p:txBody>
+      </p:sp>
       <p:sp>
         <p:nvSpPr>
           <p:cNvPr id="4" name="Date Placeholder 3">
@@ -5475,17 +6015,17 @@
           <a:lstStyle/>
           <a:p>
             <a:r>
-              <a:rPr lang="fr-FR"/>
+              <a:rPr lang="fr-FR" dirty="0"/>
               <a:t>Meetup Mensuel Azure &amp; Microsoft 365 Community Sénégal (Décembre 2022)</a:t>
             </a:r>
-            <a:endParaRPr lang="en-US"/>
+            <a:endParaRPr lang="en-US" dirty="0"/>
           </a:p>
         </p:txBody>
       </p:sp>
     </p:spTree>
     <p:extLst>
       <p:ext uri="{BB962C8B-B14F-4D97-AF65-F5344CB8AC3E}">
-        <p14:creationId xmlns:p14="http://schemas.microsoft.com/office/powerpoint/2010/main" val="1849602147"/>
+        <p14:creationId xmlns:p14="http://schemas.microsoft.com/office/powerpoint/2010/main" val="2294935228"/>
       </p:ext>
     </p:extLst>
   </p:cSld>
@@ -5517,7 +6057,7 @@
           <p:cNvPr id="2" name="Title 1">
             <a:extLst>
               <a:ext uri="{FF2B5EF4-FFF2-40B4-BE49-F238E27FC236}">
-                <a16:creationId xmlns:a16="http://schemas.microsoft.com/office/drawing/2014/main" id="{70DF50B0-3EBA-8424-428F-D1910D5C1FA4}"/>
+                <a16:creationId xmlns:a16="http://schemas.microsoft.com/office/drawing/2014/main" id="{523802D9-2E19-21CA-0816-EEE76A247590}"/>
               </a:ext>
             </a:extLst>
           </p:cNvPr>
@@ -5533,92 +6073,70 @@
           <a:bodyPr/>
           <a:lstStyle/>
           <a:p>
-            <a:r>
-              <a:rPr lang="en-US" b="1" dirty="0"/>
-              <a:t>About me</a:t>
-            </a:r>
-          </a:p>
-        </p:txBody>
-      </p:sp>
-      <p:sp>
-        <p:nvSpPr>
-          <p:cNvPr id="3" name="Content Placeholder 2">
-            <a:extLst>
-              <a:ext uri="{FF2B5EF4-FFF2-40B4-BE49-F238E27FC236}">
-                <a16:creationId xmlns:a16="http://schemas.microsoft.com/office/drawing/2014/main" id="{437EC63F-3726-B2EC-34FF-F8C31D77AFF0}"/>
-              </a:ext>
-            </a:extLst>
-          </p:cNvPr>
-          <p:cNvSpPr>
-            <a:spLocks noGrp="1"/>
-          </p:cNvSpPr>
-          <p:nvPr>
-            <p:ph idx="1"/>
-          </p:nvPr>
-        </p:nvSpPr>
-        <p:spPr/>
-        <p:txBody>
-          <a:bodyPr/>
-          <a:lstStyle/>
-          <a:p>
-            <a:pPr marL="0" indent="0" algn="ctr">
-              <a:buNone/>
-            </a:pPr>
-            <a:r>
-              <a:rPr lang="en-US" sz="4000" b="1" i="0" dirty="0">
+            <a:pPr algn="ctr"/>
+            <a:r>
+              <a:rPr lang="en-US" b="0" i="0" dirty="0">
                 <a:solidFill>
-                  <a:srgbClr val="061311"/>
+                  <a:srgbClr val="24292F"/>
                 </a:solidFill>
                 <a:effectLst/>
-                <a:latin typeface="Playfair Display" panose="020B0604020202020204" pitchFamily="2" charset="0"/>
+                <a:latin typeface="-apple-system"/>
               </a:rPr>
-              <a:t>Gora Leye</a:t>
-            </a:r>
-          </a:p>
-          <a:p>
-            <a:pPr algn="l"/>
-            <a:r>
-              <a:rPr lang="en-US" b="0" i="0" dirty="0">
-                <a:effectLst/>
-                <a:latin typeface="system-ui"/>
+              <a:t>  </a:t>
+            </a:r>
+            <a:r>
+              <a:rPr lang="en-US" b="1" dirty="0">
+                <a:solidFill>
+                  <a:srgbClr val="24292F"/>
+                </a:solidFill>
+                <a:latin typeface="-apple-system"/>
               </a:rPr>
-              <a:t>Microsoft MVP | Azure Solutions Architect | DevOps Engineer | Software Craftmanship</a:t>
-            </a:r>
-          </a:p>
-          <a:p>
-            <a:pPr algn="l"/>
-            <a:r>
-              <a:rPr lang="en-US" b="0" i="0" dirty="0">
-                <a:effectLst/>
-                <a:latin typeface="system-ui"/>
-              </a:rPr>
-              <a:t> Paris, France</a:t>
-            </a:r>
-          </a:p>
-          <a:p>
-            <a:pPr algn="l">
-              <a:buFont typeface="Arial" panose="020B0604020202020204" pitchFamily="34" charset="0"/>
-              <a:buChar char="•"/>
-            </a:pPr>
-            <a:r>
-              <a:rPr lang="en-US" b="0" i="0" dirty="0">
-                <a:effectLst/>
-                <a:latin typeface="system-ui"/>
-              </a:rPr>
-              <a:t> Information &amp; Communications Technology</a:t>
-            </a:r>
-          </a:p>
-          <a:p>
-            <a:endParaRPr lang="en-US" dirty="0"/>
-          </a:p>
-        </p:txBody>
-      </p:sp>
+              <a:t>Microsoft Sentinel Permissions</a:t>
+            </a:r>
+          </a:p>
+        </p:txBody>
+      </p:sp>
+      <p:pic>
+        <p:nvPicPr>
+          <p:cNvPr id="7" name="Content Placeholder 6">
+            <a:extLst>
+              <a:ext uri="{FF2B5EF4-FFF2-40B4-BE49-F238E27FC236}">
+                <a16:creationId xmlns:a16="http://schemas.microsoft.com/office/drawing/2014/main" id="{FCB66526-9307-514C-DDAF-C01915B5E16D}"/>
+              </a:ext>
+            </a:extLst>
+          </p:cNvPr>
+          <p:cNvPicPr>
+            <a:picLocks noGrp="1" noChangeAspect="1"/>
+          </p:cNvPicPr>
+          <p:nvPr>
+            <p:ph idx="1"/>
+          </p:nvPr>
+        </p:nvPicPr>
+        <p:blipFill>
+          <a:blip r:embed="rId2">
+            <a:extLst>
+              <a:ext uri="{28A0092B-C50C-407E-A947-70E740481C1C}">
+                <a14:useLocalDpi xmlns:a14="http://schemas.microsoft.com/office/drawing/2010/main" val="0"/>
+              </a:ext>
+            </a:extLst>
+          </a:blip>
+          <a:stretch>
+            <a:fillRect/>
+          </a:stretch>
+        </p:blipFill>
+        <p:spPr>
+          <a:xfrm>
+            <a:off x="2234519" y="1825625"/>
+            <a:ext cx="7722962" cy="4351338"/>
+          </a:xfrm>
+        </p:spPr>
+      </p:pic>
       <p:sp>
         <p:nvSpPr>
           <p:cNvPr id="4" name="Date Placeholder 3">
             <a:extLst>
               <a:ext uri="{FF2B5EF4-FFF2-40B4-BE49-F238E27FC236}">
-                <a16:creationId xmlns:a16="http://schemas.microsoft.com/office/drawing/2014/main" id="{A400D79D-4C32-B3F4-2D71-03D5A3E5247B}"/>
+                <a16:creationId xmlns:a16="http://schemas.microsoft.com/office/drawing/2014/main" id="{C190F43C-8236-D8B6-507A-12D44A65B60A}"/>
               </a:ext>
             </a:extLst>
           </p:cNvPr>
@@ -5647,7 +6165,7 @@
           <p:cNvPr id="5" name="Footer Placeholder 4">
             <a:extLst>
               <a:ext uri="{FF2B5EF4-FFF2-40B4-BE49-F238E27FC236}">
-                <a16:creationId xmlns:a16="http://schemas.microsoft.com/office/drawing/2014/main" id="{320F89A5-C3BE-8E3F-2454-C1BEAA8C1C04}"/>
+                <a16:creationId xmlns:a16="http://schemas.microsoft.com/office/drawing/2014/main" id="{27C5A898-BEEF-5CA1-00FF-C2E7131B44D4}"/>
               </a:ext>
             </a:extLst>
           </p:cNvPr>
@@ -5658,91 +6176,23 @@
             <p:ph type="ftr" sz="quarter" idx="11"/>
           </p:nvPr>
         </p:nvSpPr>
-        <p:spPr>
-          <a:xfrm>
-            <a:off x="1360055" y="4747853"/>
-            <a:ext cx="9735127" cy="1012536"/>
-          </a:xfrm>
-        </p:spPr>
-        <p:txBody>
-          <a:bodyPr/>
-          <a:lstStyle/>
-          <a:p>
-            <a:pPr marL="285750" indent="-285750" algn="l">
-              <a:buFont typeface="Arial" panose="020B0604020202020204" pitchFamily="34" charset="0"/>
-              <a:buChar char="•"/>
-            </a:pPr>
-            <a:r>
-              <a:rPr lang="en-US" sz="1600" dirty="0">
-                <a:latin typeface="system-ui"/>
-                <a:hlinkClick r:id="rId2"/>
-              </a:rPr>
-              <a:t>https://sessionize.com/gora-leye</a:t>
-            </a:r>
-            <a:r>
-              <a:rPr lang="en-US" sz="1600" dirty="0">
-                <a:latin typeface="system-ui"/>
-              </a:rPr>
-              <a:t> </a:t>
-            </a:r>
-          </a:p>
-          <a:p>
-            <a:pPr marL="285750" indent="-285750" algn="l">
-              <a:buFont typeface="Arial" panose="020B0604020202020204" pitchFamily="34" charset="0"/>
-              <a:buChar char="•"/>
-            </a:pPr>
-            <a:r>
-              <a:rPr lang="en-US" sz="1600" b="0" i="0" dirty="0">
-                <a:effectLst/>
-                <a:latin typeface="system-ui"/>
-              </a:rPr>
-              <a:t>@logcorner </a:t>
-            </a:r>
-          </a:p>
-          <a:p>
-            <a:pPr marL="285750" indent="-285750" algn="l">
-              <a:buFont typeface="Arial" panose="020B0604020202020204" pitchFamily="34" charset="0"/>
-              <a:buChar char="•"/>
-            </a:pPr>
-            <a:r>
-              <a:rPr lang="en-US" sz="1600" b="0" i="0" dirty="0">
-                <a:effectLst/>
-                <a:latin typeface="system-ui"/>
-              </a:rPr>
-              <a:t> </a:t>
-            </a:r>
-            <a:r>
-              <a:rPr lang="en-US" sz="1600" b="0" i="0" dirty="0">
-                <a:effectLst/>
-                <a:latin typeface="system-ui"/>
-                <a:hlinkClick r:id="rId3"/>
-              </a:rPr>
-              <a:t>https://logcorner.com/</a:t>
-            </a:r>
-            <a:endParaRPr lang="en-US" sz="1600" b="0" i="0" dirty="0">
-              <a:effectLst/>
-              <a:latin typeface="system-ui"/>
-            </a:endParaRPr>
-          </a:p>
-          <a:p>
-            <a:pPr marL="285750" indent="-285750" algn="l">
-              <a:buFont typeface="Arial" panose="020B0604020202020204" pitchFamily="34" charset="0"/>
-              <a:buChar char="•"/>
-            </a:pPr>
-            <a:r>
-              <a:rPr lang="en-US" sz="1600" b="0" i="0" dirty="0">
-                <a:effectLst/>
-                <a:latin typeface="system-ui"/>
-              </a:rPr>
-              <a:t>https://github.com/logcorner</a:t>
-            </a:r>
+        <p:spPr/>
+        <p:txBody>
+          <a:bodyPr/>
+          <a:lstStyle/>
+          <a:p>
+            <a:r>
+              <a:rPr lang="fr-FR" dirty="0"/>
+              <a:t>Meetup Mensuel Azure &amp; Microsoft 365 Community Sénégal (Décembre 2022)</a:t>
+            </a:r>
+            <a:endParaRPr lang="en-US" dirty="0"/>
           </a:p>
         </p:txBody>
       </p:sp>
     </p:spTree>
     <p:extLst>
       <p:ext uri="{BB962C8B-B14F-4D97-AF65-F5344CB8AC3E}">
-        <p14:creationId xmlns:p14="http://schemas.microsoft.com/office/powerpoint/2010/main" val="654390316"/>
+        <p14:creationId xmlns:p14="http://schemas.microsoft.com/office/powerpoint/2010/main" val="1849602147"/>
       </p:ext>
     </p:extLst>
   </p:cSld>

--- a/Presentation.pptx
+++ b/Presentation.pptx
@@ -517,6 +517,10 @@
           <a:bodyPr/>
           <a:lstStyle/>
           <a:p>
+            <a:r>
+              <a:rPr lang="en-US" dirty="0" err="1"/>
+              <a:t>gggggggggggggggg</a:t>
+            </a:r>
             <a:endParaRPr lang="en-US" dirty="0"/>
           </a:p>
         </p:txBody>
@@ -600,6 +604,247 @@
         <p:txBody>
           <a:bodyPr/>
           <a:lstStyle/>
+          <a:p>
+            <a:r>
+              <a:rPr lang="fr-FR" b="0" dirty="0">
+                <a:solidFill>
+                  <a:srgbClr val="D4D4D4"/>
+                </a:solidFill>
+                <a:effectLst/>
+                <a:latin typeface="Consolas" panose="020B0609020204030204" pitchFamily="49" charset="0"/>
+              </a:rPr>
+              <a:t>Un SIEM est un outil qu'une organisation utilise pour collecter, analyser et effectuer des opérations de sécurité sur ses systèmes informatiques. </a:t>
+            </a:r>
+          </a:p>
+          <a:p>
+            <a:r>
+              <a:rPr lang="fr-FR" b="0" dirty="0">
+                <a:solidFill>
+                  <a:srgbClr val="D4D4D4"/>
+                </a:solidFill>
+                <a:effectLst/>
+                <a:latin typeface="Consolas" panose="020B0609020204030204" pitchFamily="49" charset="0"/>
+              </a:rPr>
+              <a:t>Un SOAR est Security Orchestration, Automation and </a:t>
+            </a:r>
+            <a:r>
+              <a:rPr lang="fr-FR" b="0" dirty="0" err="1">
+                <a:solidFill>
+                  <a:srgbClr val="D4D4D4"/>
+                </a:solidFill>
+                <a:effectLst/>
+                <a:latin typeface="Consolas" panose="020B0609020204030204" pitchFamily="49" charset="0"/>
+              </a:rPr>
+              <a:t>Response</a:t>
+            </a:r>
+            <a:r>
+              <a:rPr lang="fr-FR" b="0" dirty="0">
+                <a:solidFill>
+                  <a:srgbClr val="D4D4D4"/>
+                </a:solidFill>
+                <a:effectLst/>
+                <a:latin typeface="Consolas" panose="020B0609020204030204" pitchFamily="49" charset="0"/>
+              </a:rPr>
+              <a:t> : un ensemble de logiciels pour collecter les menaces de sécurité à partir de sources et répondre aux événements de sécurité</a:t>
+            </a:r>
+          </a:p>
+          <a:p>
+            <a:br>
+              <a:rPr lang="fr-FR" b="0" dirty="0">
+                <a:solidFill>
+                  <a:srgbClr val="D4D4D4"/>
+                </a:solidFill>
+                <a:effectLst/>
+                <a:latin typeface="Consolas" panose="020B0609020204030204" pitchFamily="49" charset="0"/>
+              </a:rPr>
+            </a:br>
+            <a:r>
+              <a:rPr lang="fr-FR" b="0" dirty="0">
+                <a:solidFill>
+                  <a:srgbClr val="D4D4D4"/>
+                </a:solidFill>
+                <a:effectLst/>
+                <a:latin typeface="Consolas" panose="020B0609020204030204" pitchFamily="49" charset="0"/>
+              </a:rPr>
+              <a:t>Dans sa forme la plus simple, un système SIEM vous permet de :</a:t>
+            </a:r>
+          </a:p>
+          <a:p>
+            <a:br>
+              <a:rPr lang="fr-FR" b="0" dirty="0">
+                <a:solidFill>
+                  <a:srgbClr val="D4D4D4"/>
+                </a:solidFill>
+                <a:effectLst/>
+                <a:latin typeface="Consolas" panose="020B0609020204030204" pitchFamily="49" charset="0"/>
+              </a:rPr>
+            </a:br>
+            <a:r>
+              <a:rPr lang="fr-FR" b="0" dirty="0">
+                <a:solidFill>
+                  <a:srgbClr val="D4D4D4"/>
+                </a:solidFill>
+                <a:effectLst/>
+                <a:latin typeface="Consolas" panose="020B0609020204030204" pitchFamily="49" charset="0"/>
+              </a:rPr>
+              <a:t>Collectez et interrogez les journaux (ou logs).</a:t>
+            </a:r>
+          </a:p>
+          <a:p>
+            <a:r>
+              <a:rPr lang="fr-FR" b="0" dirty="0">
+                <a:solidFill>
+                  <a:srgbClr val="D4D4D4"/>
+                </a:solidFill>
+                <a:effectLst/>
+                <a:latin typeface="Consolas" panose="020B0609020204030204" pitchFamily="49" charset="0"/>
+              </a:rPr>
+              <a:t>Effectuez une forme de détection de corrélation ou d'anomalie.</a:t>
+            </a:r>
+          </a:p>
+          <a:p>
+            <a:r>
+              <a:rPr lang="fr-FR" b="0" dirty="0">
+                <a:solidFill>
+                  <a:srgbClr val="D4D4D4"/>
+                </a:solidFill>
+                <a:effectLst/>
+                <a:latin typeface="Consolas" panose="020B0609020204030204" pitchFamily="49" charset="0"/>
+              </a:rPr>
+              <a:t>Créez des alertes et des incidents en fonction de vos découvertes.</a:t>
+            </a:r>
+          </a:p>
+          <a:p>
+            <a:r>
+              <a:rPr lang="fr-FR" b="0" dirty="0">
+                <a:solidFill>
+                  <a:srgbClr val="D4D4D4"/>
+                </a:solidFill>
+                <a:effectLst/>
+                <a:latin typeface="Consolas" panose="020B0609020204030204" pitchFamily="49" charset="0"/>
+              </a:rPr>
+              <a:t>Un système SIEM peut offrir des fonctionnalités telles que :</a:t>
+            </a:r>
+          </a:p>
+          <a:p>
+            <a:br>
+              <a:rPr lang="fr-FR" b="0" dirty="0">
+                <a:solidFill>
+                  <a:srgbClr val="D4D4D4"/>
+                </a:solidFill>
+                <a:effectLst/>
+                <a:latin typeface="Consolas" panose="020B0609020204030204" pitchFamily="49" charset="0"/>
+              </a:rPr>
+            </a:br>
+            <a:r>
+              <a:rPr lang="fr-FR" b="0" dirty="0">
+                <a:solidFill>
+                  <a:srgbClr val="6796E6"/>
+                </a:solidFill>
+                <a:effectLst/>
+                <a:latin typeface="Consolas" panose="020B0609020204030204" pitchFamily="49" charset="0"/>
+              </a:rPr>
+              <a:t>*</a:t>
+            </a:r>
+            <a:r>
+              <a:rPr lang="fr-FR" b="0" dirty="0">
+                <a:solidFill>
+                  <a:srgbClr val="D4D4D4"/>
+                </a:solidFill>
+                <a:effectLst/>
+                <a:latin typeface="Consolas" panose="020B0609020204030204" pitchFamily="49" charset="0"/>
+              </a:rPr>
+              <a:t> Gestion des journaux : capacité à collecter, stocker et interroger les données des journaux à partir des ressources de votre environnement.</a:t>
+            </a:r>
+          </a:p>
+          <a:p>
+            <a:r>
+              <a:rPr lang="fr-FR" b="0" dirty="0">
+                <a:solidFill>
+                  <a:srgbClr val="6796E6"/>
+                </a:solidFill>
+                <a:effectLst/>
+                <a:latin typeface="Consolas" panose="020B0609020204030204" pitchFamily="49" charset="0"/>
+              </a:rPr>
+              <a:t>*</a:t>
+            </a:r>
+            <a:r>
+              <a:rPr lang="fr-FR" b="0" dirty="0">
+                <a:solidFill>
+                  <a:srgbClr val="D4D4D4"/>
+                </a:solidFill>
+                <a:effectLst/>
+                <a:latin typeface="Consolas" panose="020B0609020204030204" pitchFamily="49" charset="0"/>
+              </a:rPr>
+              <a:t> Alerte : un regard proactif dans les données du journal pour les incidents de sécurité potentiels et les anomalies.</a:t>
+            </a:r>
+          </a:p>
+          <a:p>
+            <a:r>
+              <a:rPr lang="fr-FR" b="0" dirty="0">
+                <a:solidFill>
+                  <a:srgbClr val="6796E6"/>
+                </a:solidFill>
+                <a:effectLst/>
+                <a:latin typeface="Consolas" panose="020B0609020204030204" pitchFamily="49" charset="0"/>
+              </a:rPr>
+              <a:t>*</a:t>
+            </a:r>
+            <a:r>
+              <a:rPr lang="fr-FR" b="0" dirty="0">
+                <a:solidFill>
+                  <a:srgbClr val="D4D4D4"/>
+                </a:solidFill>
+                <a:effectLst/>
+                <a:latin typeface="Consolas" panose="020B0609020204030204" pitchFamily="49" charset="0"/>
+              </a:rPr>
+              <a:t> Visualisation : graphiques et tableaux de bord qui fournissent des informations visuelles sur vos données de journal.</a:t>
+            </a:r>
+          </a:p>
+          <a:p>
+            <a:r>
+              <a:rPr lang="fr-FR" b="0" dirty="0">
+                <a:solidFill>
+                  <a:srgbClr val="6796E6"/>
+                </a:solidFill>
+                <a:effectLst/>
+                <a:latin typeface="Consolas" panose="020B0609020204030204" pitchFamily="49" charset="0"/>
+              </a:rPr>
+              <a:t>*</a:t>
+            </a:r>
+            <a:r>
+              <a:rPr lang="fr-FR" b="0" dirty="0">
+                <a:solidFill>
+                  <a:srgbClr val="D4D4D4"/>
+                </a:solidFill>
+                <a:effectLst/>
+                <a:latin typeface="Consolas" panose="020B0609020204030204" pitchFamily="49" charset="0"/>
+              </a:rPr>
+              <a:t> Gestion des incidents : capacité à créer, mettre à jour, attribuer et enquêter sur les incidents qui ont été identifiés.</a:t>
+            </a:r>
+          </a:p>
+          <a:p>
+            <a:r>
+              <a:rPr lang="fr-FR" b="0" dirty="0">
+                <a:solidFill>
+                  <a:srgbClr val="6796E6"/>
+                </a:solidFill>
+                <a:effectLst/>
+                <a:latin typeface="Consolas" panose="020B0609020204030204" pitchFamily="49" charset="0"/>
+              </a:rPr>
+              <a:t>*</a:t>
+            </a:r>
+            <a:r>
+              <a:rPr lang="fr-FR" b="0" dirty="0">
+                <a:solidFill>
+                  <a:srgbClr val="D4D4D4"/>
+                </a:solidFill>
+                <a:effectLst/>
+                <a:latin typeface="Consolas" panose="020B0609020204030204" pitchFamily="49" charset="0"/>
+              </a:rPr>
+              <a:t> Interrogation des données : un langage de requête riche, similaire à celui de la gestion des journaux, que vous pouvez utiliser pour interroger et comprendre vos données.</a:t>
+            </a:r>
+          </a:p>
           <a:p>
             <a:endParaRPr lang="en-US" dirty="0"/>
           </a:p>
@@ -4636,7 +4881,7 @@
                 <a:effectLst/>
                 <a:latin typeface="-apple-system"/>
               </a:rPr>
-              <a:t>What is security information and event management (SIEM)?</a:t>
+              <a:t>What is Microsoft Sentinel ?</a:t>
             </a:r>
           </a:p>
           <a:p>
@@ -4844,6 +5089,7 @@
           <a:bodyPr/>
           <a:lstStyle/>
           <a:p>
+            <a:pPr algn="ctr"/>
             <a:r>
               <a:rPr lang="en-US" b="1" i="0" dirty="0">
                 <a:solidFill>
@@ -4852,7 +5098,7 @@
                 <a:effectLst/>
                 <a:latin typeface="-apple-system"/>
               </a:rPr>
-              <a:t>Information and event management (SIEM)</a:t>
+              <a:t>Security Information and event management (SIEM)</a:t>
             </a:r>
             <a:endParaRPr lang="en-US" dirty="0"/>
           </a:p>
@@ -5041,6 +5287,16 @@
           <a:bodyPr/>
           <a:lstStyle/>
           <a:p>
+            <a:pPr algn="ctr"/>
+            <a:r>
+              <a:rPr lang="en-US" b="1" dirty="0">
+                <a:solidFill>
+                  <a:srgbClr val="24292F"/>
+                </a:solidFill>
+                <a:latin typeface="-apple-system"/>
+              </a:rPr>
+              <a:t>Security Orchestration, Automation and Response </a:t>
+            </a:r>
             <a:r>
               <a:rPr lang="en-US" b="1" i="0" dirty="0">
                 <a:solidFill>
@@ -5049,9 +5305,17 @@
                 <a:effectLst/>
                 <a:latin typeface="-apple-system"/>
               </a:rPr>
-              <a:t>Information and event management (SIEM)</a:t>
-            </a:r>
-            <a:endParaRPr lang="en-US" dirty="0"/>
+              <a:t>(</a:t>
+            </a:r>
+            <a:r>
+              <a:rPr lang="en-US" b="1" dirty="0">
+                <a:solidFill>
+                  <a:srgbClr val="24292F"/>
+                </a:solidFill>
+                <a:latin typeface="-apple-system"/>
+              </a:rPr>
+              <a:t>SOAR)</a:t>
+            </a:r>
           </a:p>
         </p:txBody>
       </p:sp>
